--- a/trunk/slides/KeyStone NETCP.pptx
+++ b/trunk/slides/KeyStone NETCP.pptx
@@ -269,12 +269,12 @@
             <a:pPr>
               <a:defRPr/>
             </a:pPr>
-            <a:fld id="{AC0A7455-5172-4050-8502-D746DE54D024}" type="datetimeFigureOut">
+            <a:fld id="{72D05BEA-5197-4C45-B642-6EDF707460EB}" type="datetimeFigureOut">
               <a:rPr lang="en-US"/>
               <a:pPr>
                 <a:defRPr/>
               </a:pPr>
-              <a:t>2/8/2012</a:t>
+              <a:t>3/6/2012</a:t>
             </a:fld>
             <a:endParaRPr lang="en-US"/>
           </a:p>
@@ -368,7 +368,7 @@
             <a:pPr>
               <a:defRPr/>
             </a:pPr>
-            <a:fld id="{7E7D4A0B-97E4-48C8-9AA0-110AA9FBD7BF}" type="slidenum">
+            <a:fld id="{B9E58A93-40BD-4446-9B9C-9602A268CF51}" type="slidenum">
               <a:rPr lang="en-US"/>
               <a:pPr>
                 <a:defRPr/>
@@ -685,7 +685,7 @@
             <a:pPr>
               <a:defRPr/>
             </a:pPr>
-            <a:fld id="{452F6236-F24B-4CF2-9704-B70ED21E04EE}" type="slidenum">
+            <a:fld id="{86591316-6C7E-4F9E-9B34-D61515ED0475}" type="slidenum">
               <a:rPr lang="en-US"/>
               <a:pPr>
                 <a:defRPr/>
@@ -1053,7 +1053,7 @@
           <a:lstStyle/>
           <a:p>
             <a:pPr defTabSz="955675"/>
-            <a:fld id="{31FF1C5A-C991-4F18-BBDB-218B53654181}" type="slidenum">
+            <a:fld id="{337CFA45-3DD1-48A8-B440-66B6399806C1}" type="slidenum">
               <a:rPr lang="en-US" sz="1200"/>
               <a:pPr defTabSz="955675"/>
               <a:t>3</a:t>
@@ -1145,7 +1145,7 @@
           <a:bodyPr/>
           <a:lstStyle/>
           <a:p>
-            <a:fld id="{8A5BC61E-5829-4BAF-B32B-D89C96DA23E4}" type="slidenum">
+            <a:fld id="{08AB4C4F-1375-46BF-A2D7-CCCC6086A6BB}" type="slidenum">
               <a:rPr lang="en-US"/>
               <a:pPr/>
               <a:t>4</a:t>
@@ -1245,7 +1245,7 @@
           <a:lstStyle/>
           <a:p>
             <a:pPr defTabSz="955675"/>
-            <a:fld id="{DAD1B0CC-AB2E-444B-898D-358C2F79C44B}" type="slidenum">
+            <a:fld id="{B2344F3D-2903-497C-A8F3-60BE94C3713E}" type="slidenum">
               <a:rPr lang="en-US" sz="1200"/>
               <a:pPr defTabSz="955675"/>
               <a:t>5</a:t>
@@ -1337,7 +1337,7 @@
           <a:bodyPr/>
           <a:lstStyle/>
           <a:p>
-            <a:fld id="{4E4A58FC-A071-4EF4-BB4F-382D0C0FF9D6}" type="slidenum">
+            <a:fld id="{3836BE7C-0FD3-47E5-AC44-09D15BFA1800}" type="slidenum">
               <a:rPr lang="en-US"/>
               <a:pPr/>
               <a:t>6</a:t>
@@ -1464,7 +1464,7 @@
           <a:bodyPr/>
           <a:lstStyle/>
           <a:p>
-            <a:fld id="{21BA4E82-5203-4B70-9267-97F9CF22EDB3}" type="slidenum">
+            <a:fld id="{0035356F-466D-45F0-9711-54F445FB3E17}" type="slidenum">
               <a:rPr lang="en-US"/>
               <a:pPr/>
               <a:t>7</a:t>
@@ -1515,7 +1515,7 @@
           <a:bodyPr/>
           <a:lstStyle/>
           <a:p>
-            <a:fld id="{6974686F-0732-4361-8AC3-6571159F1978}" type="slidenum">
+            <a:fld id="{3F7BB063-EC20-4EAB-95EE-F31FBE224348}" type="slidenum">
               <a:rPr lang="en-US"/>
               <a:pPr/>
               <a:t>8</a:t>
@@ -1634,7 +1634,7 @@
           <a:bodyPr/>
           <a:lstStyle/>
           <a:p>
-            <a:fld id="{33B1CB46-0227-4530-89C6-264BA06CBB20}" type="slidenum">
+            <a:fld id="{10E09DFE-7EF5-4793-8731-FE365CFFA8A9}" type="slidenum">
               <a:rPr lang="en-US"/>
               <a:pPr/>
               <a:t>9</a:t>
@@ -1895,7 +1895,7 @@
             <a:pPr>
               <a:defRPr/>
             </a:pPr>
-            <a:fld id="{8BAFE26D-D2AE-4606-9FEA-80C130B3712C}" type="slidenum">
+            <a:fld id="{C1D9701E-8AFC-4097-BE00-8B0024664B25}" type="slidenum">
               <a:rPr lang="en-US"/>
               <a:pPr>
                 <a:defRPr/>
@@ -2160,7 +2160,7 @@
             <a:pPr>
               <a:defRPr/>
             </a:pPr>
-            <a:fld id="{91957AEA-87AF-45E3-AD77-773CA99B911E}" type="slidenum">
+            <a:fld id="{CB232BDD-28F2-4C44-96C3-7A90E910799F}" type="slidenum">
               <a:rPr lang="en-US"/>
               <a:pPr>
                 <a:defRPr/>
@@ -2425,7 +2425,7 @@
             <a:pPr>
               <a:defRPr/>
             </a:pPr>
-            <a:fld id="{1ACF9C56-777F-43D9-A061-4E9FB788D723}" type="slidenum">
+            <a:fld id="{9F7FA9D3-CE9F-4DD6-B2D3-441DD03BFE02}" type="slidenum">
               <a:rPr lang="en-US"/>
               <a:pPr>
                 <a:defRPr/>

--- a/trunk/slides/KeyStone NETCP.pptx
+++ b/trunk/slides/KeyStone NETCP.pptx
@@ -269,7 +269,7 @@
             <a:pPr>
               <a:defRPr/>
             </a:pPr>
-            <a:fld id="{72D05BEA-5197-4C45-B642-6EDF707460EB}" type="datetimeFigureOut">
+            <a:fld id="{5E51FC15-6180-4B9E-B2D6-523F2AB0777D}" type="datetimeFigureOut">
               <a:rPr lang="en-US"/>
               <a:pPr>
                 <a:defRPr/>
@@ -368,7 +368,7 @@
             <a:pPr>
               <a:defRPr/>
             </a:pPr>
-            <a:fld id="{B9E58A93-40BD-4446-9B9C-9602A268CF51}" type="slidenum">
+            <a:fld id="{C83BD0F4-0AC2-4B0C-980B-524DE4F79214}" type="slidenum">
               <a:rPr lang="en-US"/>
               <a:pPr>
                 <a:defRPr/>
@@ -685,7 +685,7 @@
             <a:pPr>
               <a:defRPr/>
             </a:pPr>
-            <a:fld id="{86591316-6C7E-4F9E-9B34-D61515ED0475}" type="slidenum">
+            <a:fld id="{AD1C99B2-7E60-46FE-80B3-813493C03588}" type="slidenum">
               <a:rPr lang="en-US"/>
               <a:pPr>
                 <a:defRPr/>
@@ -1053,7 +1053,7 @@
           <a:lstStyle/>
           <a:p>
             <a:pPr defTabSz="955675"/>
-            <a:fld id="{337CFA45-3DD1-48A8-B440-66B6399806C1}" type="slidenum">
+            <a:fld id="{09D90AF0-FF14-412A-B16A-7F3682C4FB00}" type="slidenum">
               <a:rPr lang="en-US" sz="1200"/>
               <a:pPr defTabSz="955675"/>
               <a:t>3</a:t>
@@ -1145,7 +1145,7 @@
           <a:bodyPr/>
           <a:lstStyle/>
           <a:p>
-            <a:fld id="{08AB4C4F-1375-46BF-A2D7-CCCC6086A6BB}" type="slidenum">
+            <a:fld id="{C5874BD9-B529-4473-A3E3-2A4B3B9795AE}" type="slidenum">
               <a:rPr lang="en-US"/>
               <a:pPr/>
               <a:t>4</a:t>
@@ -1245,7 +1245,7 @@
           <a:lstStyle/>
           <a:p>
             <a:pPr defTabSz="955675"/>
-            <a:fld id="{B2344F3D-2903-497C-A8F3-60BE94C3713E}" type="slidenum">
+            <a:fld id="{F1259EAB-7E47-4A3C-8063-0A4E34A768BB}" type="slidenum">
               <a:rPr lang="en-US" sz="1200"/>
               <a:pPr defTabSz="955675"/>
               <a:t>5</a:t>
@@ -1337,7 +1337,7 @@
           <a:bodyPr/>
           <a:lstStyle/>
           <a:p>
-            <a:fld id="{3836BE7C-0FD3-47E5-AC44-09D15BFA1800}" type="slidenum">
+            <a:fld id="{1330FF58-0DFD-4488-A08E-1E0969B5FEA0}" type="slidenum">
               <a:rPr lang="en-US"/>
               <a:pPr/>
               <a:t>6</a:t>
@@ -1464,7 +1464,7 @@
           <a:bodyPr/>
           <a:lstStyle/>
           <a:p>
-            <a:fld id="{0035356F-466D-45F0-9711-54F445FB3E17}" type="slidenum">
+            <a:fld id="{81CD44C6-2399-47FF-99C3-B7611C956ED9}" type="slidenum">
               <a:rPr lang="en-US"/>
               <a:pPr/>
               <a:t>7</a:t>
@@ -1515,7 +1515,7 @@
           <a:bodyPr/>
           <a:lstStyle/>
           <a:p>
-            <a:fld id="{3F7BB063-EC20-4EAB-95EE-F31FBE224348}" type="slidenum">
+            <a:fld id="{EAE09F5F-12B4-445A-9F17-FE0E66AFF238}" type="slidenum">
               <a:rPr lang="en-US"/>
               <a:pPr/>
               <a:t>8</a:t>
@@ -1634,7 +1634,7 @@
           <a:bodyPr/>
           <a:lstStyle/>
           <a:p>
-            <a:fld id="{10E09DFE-7EF5-4793-8731-FE365CFFA8A9}" type="slidenum">
+            <a:fld id="{9BA023E0-8025-4691-A00F-AC06FD775A27}" type="slidenum">
               <a:rPr lang="en-US"/>
               <a:pPr/>
               <a:t>9</a:t>
@@ -1895,7 +1895,7 @@
             <a:pPr>
               <a:defRPr/>
             </a:pPr>
-            <a:fld id="{C1D9701E-8AFC-4097-BE00-8B0024664B25}" type="slidenum">
+            <a:fld id="{219A31D8-0306-48CC-8CD6-77088DA256F8}" type="slidenum">
               <a:rPr lang="en-US"/>
               <a:pPr>
                 <a:defRPr/>
@@ -2160,7 +2160,7 @@
             <a:pPr>
               <a:defRPr/>
             </a:pPr>
-            <a:fld id="{CB232BDD-28F2-4C44-96C3-7A90E910799F}" type="slidenum">
+            <a:fld id="{65CEFB81-239D-47F1-88A7-79C038C6261A}" type="slidenum">
               <a:rPr lang="en-US"/>
               <a:pPr>
                 <a:defRPr/>
@@ -2425,7 +2425,7 @@
             <a:pPr>
               <a:defRPr/>
             </a:pPr>
-            <a:fld id="{9F7FA9D3-CE9F-4DD6-B2D3-441DD03BFE02}" type="slidenum">
+            <a:fld id="{4CC5B006-109A-492F-B50F-617441B22CFD}" type="slidenum">
               <a:rPr lang="en-US"/>
               <a:pPr>
                 <a:defRPr/>

--- a/trunk/slides/KeyStone NETCP.pptx
+++ b/trunk/slides/KeyStone NETCP.pptx
@@ -269,12 +269,12 @@
             <a:pPr>
               <a:defRPr/>
             </a:pPr>
-            <a:fld id="{5E51FC15-6180-4B9E-B2D6-523F2AB0777D}" type="datetimeFigureOut">
+            <a:fld id="{4C143374-B7E6-4C41-9F8C-7C6CD53CB62D}" type="datetimeFigureOut">
               <a:rPr lang="en-US"/>
               <a:pPr>
                 <a:defRPr/>
               </a:pPr>
-              <a:t>3/6/2012</a:t>
+              <a:t>3/7/2012</a:t>
             </a:fld>
             <a:endParaRPr lang="en-US"/>
           </a:p>
@@ -368,7 +368,7 @@
             <a:pPr>
               <a:defRPr/>
             </a:pPr>
-            <a:fld id="{C83BD0F4-0AC2-4B0C-980B-524DE4F79214}" type="slidenum">
+            <a:fld id="{559B6E71-7F6A-44AB-B156-40CB1B64FC3C}" type="slidenum">
               <a:rPr lang="en-US"/>
               <a:pPr>
                 <a:defRPr/>
@@ -685,7 +685,7 @@
             <a:pPr>
               <a:defRPr/>
             </a:pPr>
-            <a:fld id="{AD1C99B2-7E60-46FE-80B3-813493C03588}" type="slidenum">
+            <a:fld id="{1B8A1234-3817-4D3D-9675-E7B5D6768FFE}" type="slidenum">
               <a:rPr lang="en-US"/>
               <a:pPr>
                 <a:defRPr/>
@@ -1053,7 +1053,7 @@
           <a:lstStyle/>
           <a:p>
             <a:pPr defTabSz="955675"/>
-            <a:fld id="{09D90AF0-FF14-412A-B16A-7F3682C4FB00}" type="slidenum">
+            <a:fld id="{62FF2791-276F-498D-BB2D-F19E26A3B126}" type="slidenum">
               <a:rPr lang="en-US" sz="1200"/>
               <a:pPr defTabSz="955675"/>
               <a:t>3</a:t>
@@ -1145,7 +1145,7 @@
           <a:bodyPr/>
           <a:lstStyle/>
           <a:p>
-            <a:fld id="{C5874BD9-B529-4473-A3E3-2A4B3B9795AE}" type="slidenum">
+            <a:fld id="{935CE5D4-DA57-4ED4-8721-DA90A90D559F}" type="slidenum">
               <a:rPr lang="en-US"/>
               <a:pPr/>
               <a:t>4</a:t>
@@ -1245,7 +1245,7 @@
           <a:lstStyle/>
           <a:p>
             <a:pPr defTabSz="955675"/>
-            <a:fld id="{F1259EAB-7E47-4A3C-8063-0A4E34A768BB}" type="slidenum">
+            <a:fld id="{B4792861-2061-47A8-940D-E2D861284ADA}" type="slidenum">
               <a:rPr lang="en-US" sz="1200"/>
               <a:pPr defTabSz="955675"/>
               <a:t>5</a:t>
@@ -1337,7 +1337,7 @@
           <a:bodyPr/>
           <a:lstStyle/>
           <a:p>
-            <a:fld id="{1330FF58-0DFD-4488-A08E-1E0969B5FEA0}" type="slidenum">
+            <a:fld id="{3D13911A-0CB2-4782-A83E-C4BD4E56A9A1}" type="slidenum">
               <a:rPr lang="en-US"/>
               <a:pPr/>
               <a:t>6</a:t>
@@ -1464,7 +1464,7 @@
           <a:bodyPr/>
           <a:lstStyle/>
           <a:p>
-            <a:fld id="{81CD44C6-2399-47FF-99C3-B7611C956ED9}" type="slidenum">
+            <a:fld id="{A3286AA3-3333-4775-8956-C8E088930AD8}" type="slidenum">
               <a:rPr lang="en-US"/>
               <a:pPr/>
               <a:t>7</a:t>
@@ -1515,7 +1515,7 @@
           <a:bodyPr/>
           <a:lstStyle/>
           <a:p>
-            <a:fld id="{EAE09F5F-12B4-445A-9F17-FE0E66AFF238}" type="slidenum">
+            <a:fld id="{9CE0A161-9E0D-4185-B2D0-C680532B8E78}" type="slidenum">
               <a:rPr lang="en-US"/>
               <a:pPr/>
               <a:t>8</a:t>
@@ -1634,7 +1634,7 @@
           <a:bodyPr/>
           <a:lstStyle/>
           <a:p>
-            <a:fld id="{9BA023E0-8025-4691-A00F-AC06FD775A27}" type="slidenum">
+            <a:fld id="{ED3D5E77-3397-42E3-BD9C-71DF2E56B763}" type="slidenum">
               <a:rPr lang="en-US"/>
               <a:pPr/>
               <a:t>9</a:t>
@@ -1895,7 +1895,7 @@
             <a:pPr>
               <a:defRPr/>
             </a:pPr>
-            <a:fld id="{219A31D8-0306-48CC-8CD6-77088DA256F8}" type="slidenum">
+            <a:fld id="{BC967133-5EB4-4A08-9798-A542F149E07B}" type="slidenum">
               <a:rPr lang="en-US"/>
               <a:pPr>
                 <a:defRPr/>
@@ -2160,7 +2160,7 @@
             <a:pPr>
               <a:defRPr/>
             </a:pPr>
-            <a:fld id="{65CEFB81-239D-47F1-88A7-79C038C6261A}" type="slidenum">
+            <a:fld id="{45F0AE25-B82F-4E0F-92A8-55DED3029CF1}" type="slidenum">
               <a:rPr lang="en-US"/>
               <a:pPr>
                 <a:defRPr/>
@@ -2425,7 +2425,7 @@
             <a:pPr>
               <a:defRPr/>
             </a:pPr>
-            <a:fld id="{4CC5B006-109A-492F-B50F-617441B22CFD}" type="slidenum">
+            <a:fld id="{8650A7E7-6EC0-4A50-8079-D272ADF0BEB9}" type="slidenum">
               <a:rPr lang="en-US"/>
               <a:pPr>
                 <a:defRPr/>
